--- a/doc/Schéma de données.pptx
+++ b/doc/Schéma de données.pptx
@@ -6,6 +6,7 @@
   </p:sldMasterIdLst>
   <p:sldIdLst>
     <p:sldId id="256" r:id="rId2"/>
+    <p:sldId id="257" r:id="rId3"/>
   </p:sldIdLst>
   <p:sldSz cx="12192000" cy="6858000"/>
   <p:notesSz cx="6858000" cy="9144000"/>
@@ -104,6 +105,11 @@
       </a:defRPr>
     </a:lvl9pPr>
   </p:defaultTextStyle>
+  <p:extLst>
+    <p:ext uri="{EFAFB233-063F-42B5-8137-9DF3F51BA10A}">
+      <p15:sldGuideLst xmlns:p15="http://schemas.microsoft.com/office/powerpoint/2012/main"/>
+    </p:ext>
+  </p:extLst>
 </p:presentation>
 </file>
 
@@ -254,7 +260,7 @@
           <a:p>
             <a:fld id="{3F4E41D2-2E4E-4107-A069-9289AF09A740}" type="datetimeFigureOut">
               <a:rPr lang="fr-FR" smtClean="0"/>
-              <a:t>22/11/2022</a:t>
+              <a:t>29/11/2022</a:t>
             </a:fld>
             <a:endParaRPr lang="fr-FR"/>
           </a:p>
@@ -452,7 +458,7 @@
           <a:p>
             <a:fld id="{3F4E41D2-2E4E-4107-A069-9289AF09A740}" type="datetimeFigureOut">
               <a:rPr lang="fr-FR" smtClean="0"/>
-              <a:t>22/11/2022</a:t>
+              <a:t>29/11/2022</a:t>
             </a:fld>
             <a:endParaRPr lang="fr-FR"/>
           </a:p>
@@ -660,7 +666,7 @@
           <a:p>
             <a:fld id="{3F4E41D2-2E4E-4107-A069-9289AF09A740}" type="datetimeFigureOut">
               <a:rPr lang="fr-FR" smtClean="0"/>
-              <a:t>22/11/2022</a:t>
+              <a:t>29/11/2022</a:t>
             </a:fld>
             <a:endParaRPr lang="fr-FR"/>
           </a:p>
@@ -858,7 +864,7 @@
           <a:p>
             <a:fld id="{3F4E41D2-2E4E-4107-A069-9289AF09A740}" type="datetimeFigureOut">
               <a:rPr lang="fr-FR" smtClean="0"/>
-              <a:t>22/11/2022</a:t>
+              <a:t>29/11/2022</a:t>
             </a:fld>
             <a:endParaRPr lang="fr-FR"/>
           </a:p>
@@ -1133,7 +1139,7 @@
           <a:p>
             <a:fld id="{3F4E41D2-2E4E-4107-A069-9289AF09A740}" type="datetimeFigureOut">
               <a:rPr lang="fr-FR" smtClean="0"/>
-              <a:t>22/11/2022</a:t>
+              <a:t>29/11/2022</a:t>
             </a:fld>
             <a:endParaRPr lang="fr-FR"/>
           </a:p>
@@ -1398,7 +1404,7 @@
           <a:p>
             <a:fld id="{3F4E41D2-2E4E-4107-A069-9289AF09A740}" type="datetimeFigureOut">
               <a:rPr lang="fr-FR" smtClean="0"/>
-              <a:t>22/11/2022</a:t>
+              <a:t>29/11/2022</a:t>
             </a:fld>
             <a:endParaRPr lang="fr-FR"/>
           </a:p>
@@ -1810,7 +1816,7 @@
           <a:p>
             <a:fld id="{3F4E41D2-2E4E-4107-A069-9289AF09A740}" type="datetimeFigureOut">
               <a:rPr lang="fr-FR" smtClean="0"/>
-              <a:t>22/11/2022</a:t>
+              <a:t>29/11/2022</a:t>
             </a:fld>
             <a:endParaRPr lang="fr-FR"/>
           </a:p>
@@ -1951,7 +1957,7 @@
           <a:p>
             <a:fld id="{3F4E41D2-2E4E-4107-A069-9289AF09A740}" type="datetimeFigureOut">
               <a:rPr lang="fr-FR" smtClean="0"/>
-              <a:t>22/11/2022</a:t>
+              <a:t>29/11/2022</a:t>
             </a:fld>
             <a:endParaRPr lang="fr-FR"/>
           </a:p>
@@ -2064,7 +2070,7 @@
           <a:p>
             <a:fld id="{3F4E41D2-2E4E-4107-A069-9289AF09A740}" type="datetimeFigureOut">
               <a:rPr lang="fr-FR" smtClean="0"/>
-              <a:t>22/11/2022</a:t>
+              <a:t>29/11/2022</a:t>
             </a:fld>
             <a:endParaRPr lang="fr-FR"/>
           </a:p>
@@ -2375,7 +2381,7 @@
           <a:p>
             <a:fld id="{3F4E41D2-2E4E-4107-A069-9289AF09A740}" type="datetimeFigureOut">
               <a:rPr lang="fr-FR" smtClean="0"/>
-              <a:t>22/11/2022</a:t>
+              <a:t>29/11/2022</a:t>
             </a:fld>
             <a:endParaRPr lang="fr-FR"/>
           </a:p>
@@ -2663,7 +2669,7 @@
           <a:p>
             <a:fld id="{3F4E41D2-2E4E-4107-A069-9289AF09A740}" type="datetimeFigureOut">
               <a:rPr lang="fr-FR" smtClean="0"/>
-              <a:t>22/11/2022</a:t>
+              <a:t>29/11/2022</a:t>
             </a:fld>
             <a:endParaRPr lang="fr-FR"/>
           </a:p>
@@ -2904,7 +2910,7 @@
           <a:p>
             <a:fld id="{3F4E41D2-2E4E-4107-A069-9289AF09A740}" type="datetimeFigureOut">
               <a:rPr lang="fr-FR" smtClean="0"/>
-              <a:t>22/11/2022</a:t>
+              <a:t>29/11/2022</a:t>
             </a:fld>
             <a:endParaRPr lang="fr-FR"/>
           </a:p>
@@ -3365,21 +3371,21 @@
             <a:pPr algn="ctr"/>
             <a:r>
               <a:rPr lang="fr-FR" dirty="0"/>
-              <a:t>Batterie </a:t>
+              <a:t>Batterie de tests = épreuve</a:t>
             </a:r>
           </a:p>
           <a:p>
             <a:pPr algn="ctr"/>
             <a:r>
               <a:rPr lang="fr-FR" dirty="0"/>
-              <a:t>=feuillet de questions</a:t>
+              <a:t>= livrets de question</a:t>
             </a:r>
           </a:p>
           <a:p>
             <a:pPr algn="ctr"/>
             <a:r>
               <a:rPr lang="fr-FR" dirty="0"/>
-              <a:t>Change très rarement, 10-20</a:t>
+              <a:t>Change très rarement, 10</a:t>
             </a:r>
           </a:p>
         </p:txBody>
@@ -3435,7 +3441,7 @@
             <a:pPr algn="ctr"/>
             <a:r>
               <a:rPr lang="fr-FR" dirty="0"/>
-              <a:t>=nom, prénom, ‘A,A,C,B,D,E,A,B’</a:t>
+              <a:t>=nom, prénom, ‘A,A,C,B,D,E,A,B…’…</a:t>
             </a:r>
           </a:p>
           <a:p>
@@ -3554,7 +3560,7 @@
             <a:pPr algn="ctr"/>
             <a:r>
               <a:rPr lang="fr-FR" dirty="0"/>
-              <a:t>Profil</a:t>
+              <a:t>Score</a:t>
             </a:r>
           </a:p>
           <a:p>
@@ -3575,10 +3581,10 @@
       </p:sp>
       <p:sp>
         <p:nvSpPr>
-          <p:cNvPr id="9" name="ZoneTexte 8">
-            <a:extLst>
-              <a:ext uri="{FF2B5EF4-FFF2-40B4-BE49-F238E27FC236}">
-                <a16:creationId xmlns:a16="http://schemas.microsoft.com/office/drawing/2014/main" id="{8D0E03FE-2ABF-F244-461C-B49CDD7FB6EE}"/>
+          <p:cNvPr id="11" name="ZoneTexte 10">
+            <a:extLst>
+              <a:ext uri="{FF2B5EF4-FFF2-40B4-BE49-F238E27FC236}">
+                <a16:creationId xmlns:a16="http://schemas.microsoft.com/office/drawing/2014/main" id="{F825FE33-46EA-784C-8E54-8B8550879B49}"/>
               </a:ext>
             </a:extLst>
           </p:cNvPr>
@@ -3587,7 +3593,7 @@
         </p:nvSpPr>
         <p:spPr>
           <a:xfrm>
-            <a:off x="5728996" y="4026842"/>
+            <a:off x="2175026" y="3790570"/>
             <a:ext cx="2745434" cy="369332"/>
           </a:xfrm>
           <a:prstGeom prst="rect">
@@ -3617,17 +3623,17 @@
             <a:pPr algn="ctr"/>
             <a:r>
               <a:rPr lang="fr-FR" dirty="0"/>
-              <a:t>Calcul des notes</a:t>
-            </a:r>
-          </a:p>
-        </p:txBody>
-      </p:sp>
-      <p:sp>
-        <p:nvSpPr>
-          <p:cNvPr id="11" name="ZoneTexte 10">
-            <a:extLst>
-              <a:ext uri="{FF2B5EF4-FFF2-40B4-BE49-F238E27FC236}">
-                <a16:creationId xmlns:a16="http://schemas.microsoft.com/office/drawing/2014/main" id="{F825FE33-46EA-784C-8E54-8B8550879B49}"/>
+              <a:t>Epreuve</a:t>
+            </a:r>
+          </a:p>
+        </p:txBody>
+      </p:sp>
+      <p:sp>
+        <p:nvSpPr>
+          <p:cNvPr id="12" name="ZoneTexte 11">
+            <a:extLst>
+              <a:ext uri="{FF2B5EF4-FFF2-40B4-BE49-F238E27FC236}">
+                <a16:creationId xmlns:a16="http://schemas.microsoft.com/office/drawing/2014/main" id="{84BB90B4-AC2D-A678-9144-A92F3F443738}"/>
               </a:ext>
             </a:extLst>
           </p:cNvPr>
@@ -3636,7 +3642,7 @@
         </p:nvSpPr>
         <p:spPr>
           <a:xfrm>
-            <a:off x="989913" y="3790570"/>
+            <a:off x="2171921" y="4288205"/>
             <a:ext cx="2745434" cy="369332"/>
           </a:xfrm>
           <a:prstGeom prst="rect">
@@ -3666,17 +3672,17 @@
             <a:pPr algn="ctr"/>
             <a:r>
               <a:rPr lang="fr-FR" dirty="0"/>
-              <a:t>Batterie</a:t>
-            </a:r>
-          </a:p>
-        </p:txBody>
-      </p:sp>
-      <p:sp>
-        <p:nvSpPr>
-          <p:cNvPr id="12" name="ZoneTexte 11">
-            <a:extLst>
-              <a:ext uri="{FF2B5EF4-FFF2-40B4-BE49-F238E27FC236}">
-                <a16:creationId xmlns:a16="http://schemas.microsoft.com/office/drawing/2014/main" id="{84BB90B4-AC2D-A678-9144-A92F3F443738}"/>
+              <a:t>Réponses du candidat</a:t>
+            </a:r>
+          </a:p>
+        </p:txBody>
+      </p:sp>
+      <p:sp>
+        <p:nvSpPr>
+          <p:cNvPr id="13" name="ZoneTexte 12">
+            <a:extLst>
+              <a:ext uri="{FF2B5EF4-FFF2-40B4-BE49-F238E27FC236}">
+                <a16:creationId xmlns:a16="http://schemas.microsoft.com/office/drawing/2014/main" id="{577B65E8-812E-4055-9CD6-E636DC48210D}"/>
               </a:ext>
             </a:extLst>
           </p:cNvPr>
@@ -3685,7 +3691,7 @@
         </p:nvSpPr>
         <p:spPr>
           <a:xfrm>
-            <a:off x="986808" y="4288205"/>
+            <a:off x="6935947" y="4021891"/>
             <a:ext cx="2745434" cy="369332"/>
           </a:xfrm>
           <a:prstGeom prst="rect">
@@ -3715,56 +3721,7 @@
             <a:pPr algn="ctr"/>
             <a:r>
               <a:rPr lang="fr-FR" dirty="0"/>
-              <a:t>Épreuve du candidat</a:t>
-            </a:r>
-          </a:p>
-        </p:txBody>
-      </p:sp>
-      <p:sp>
-        <p:nvSpPr>
-          <p:cNvPr id="13" name="ZoneTexte 12">
-            <a:extLst>
-              <a:ext uri="{FF2B5EF4-FFF2-40B4-BE49-F238E27FC236}">
-                <a16:creationId xmlns:a16="http://schemas.microsoft.com/office/drawing/2014/main" id="{577B65E8-812E-4055-9CD6-E636DC48210D}"/>
-              </a:ext>
-            </a:extLst>
-          </p:cNvPr>
-          <p:cNvSpPr txBox="1"/>
-          <p:nvPr/>
-        </p:nvSpPr>
-        <p:spPr>
-          <a:xfrm>
-            <a:off x="8704591" y="4021891"/>
-            <a:ext cx="2745434" cy="369332"/>
-          </a:xfrm>
-          <a:prstGeom prst="rect">
-            <a:avLst/>
-          </a:prstGeom>
-        </p:spPr>
-        <p:style>
-          <a:lnRef idx="2">
-            <a:schemeClr val="dk1"/>
-          </a:lnRef>
-          <a:fillRef idx="1">
-            <a:schemeClr val="lt1"/>
-          </a:fillRef>
-          <a:effectRef idx="0">
-            <a:schemeClr val="dk1"/>
-          </a:effectRef>
-          <a:fontRef idx="minor">
-            <a:schemeClr val="dk1"/>
-          </a:fontRef>
-        </p:style>
-        <p:txBody>
-          <a:bodyPr wrap="square" rtlCol="0">
-            <a:spAutoFit/>
-          </a:bodyPr>
-          <a:lstStyle/>
-          <a:p>
-            <a:pPr algn="ctr"/>
-            <a:r>
-              <a:rPr lang="fr-FR" dirty="0"/>
-              <a:t>Profil d’un candidat</a:t>
+              <a:t>Score d’un candidat</a:t>
             </a:r>
           </a:p>
         </p:txBody>
@@ -3786,7 +3743,7 @@
         </p:nvCxnSpPr>
         <p:spPr>
           <a:xfrm>
-            <a:off x="3735347" y="3975236"/>
+            <a:off x="4920460" y="3975236"/>
             <a:ext cx="230161" cy="198948"/>
           </a:xfrm>
           <a:prstGeom prst="straightConnector1">
@@ -3827,7 +3784,7 @@
         </p:nvCxnSpPr>
         <p:spPr>
           <a:xfrm flipV="1">
-            <a:off x="3735347" y="4174184"/>
+            <a:off x="4920460" y="4174184"/>
             <a:ext cx="230161" cy="289857"/>
           </a:xfrm>
           <a:prstGeom prst="straightConnector1">
@@ -3863,14 +3820,13 @@
           </p:cNvPr>
           <p:cNvCxnSpPr>
             <a:cxnSpLocks/>
-            <a:stCxn id="9" idx="3"/>
             <a:endCxn id="13" idx="1"/>
           </p:cNvCxnSpPr>
           <p:nvPr/>
         </p:nvCxnSpPr>
         <p:spPr>
           <a:xfrm flipV="1">
-            <a:off x="8474430" y="4206557"/>
+            <a:off x="6705786" y="4206557"/>
             <a:ext cx="230161" cy="4951"/>
           </a:xfrm>
           <a:prstGeom prst="straightConnector1">
@@ -3939,7 +3895,7 @@
             <a:pPr algn="ctr"/>
             <a:r>
               <a:rPr lang="fr-FR" dirty="0"/>
-              <a:t>Calcul d’un profil étalonné</a:t>
+              <a:t>Calcul d’un profil</a:t>
             </a:r>
           </a:p>
         </p:txBody>
@@ -4037,7 +3993,7 @@
             <a:pPr algn="ctr"/>
             <a:r>
               <a:rPr lang="fr-FR" dirty="0"/>
-              <a:t>Profil d’un candidat</a:t>
+              <a:t>Score d’un candidat</a:t>
             </a:r>
           </a:p>
         </p:txBody>
@@ -4086,7 +4042,7 @@
             <a:pPr algn="ctr"/>
             <a:r>
               <a:rPr lang="fr-FR" dirty="0"/>
-              <a:t>Profil étalonné + feuille de profil (</a:t>
+              <a:t>Profil + feuille de profil (</a:t>
             </a:r>
             <a:r>
               <a:rPr lang="fr-FR" dirty="0" err="1"/>
@@ -4284,7 +4240,7 @@
             <a:pPr algn="ctr"/>
             <a:r>
               <a:rPr lang="fr-FR" dirty="0"/>
-              <a:t>A changer régulièrement ?</a:t>
+              <a:t>Quelle évolution ?</a:t>
             </a:r>
           </a:p>
         </p:txBody>
@@ -4303,7 +4259,7 @@
         </p:nvSpPr>
         <p:spPr>
           <a:xfrm>
-            <a:off x="3974840" y="3896315"/>
+            <a:off x="5159953" y="3896315"/>
             <a:ext cx="1555096" cy="646331"/>
           </a:xfrm>
           <a:prstGeom prst="rect">
@@ -4338,54 +4294,11 @@
             <a:pPr algn="ctr"/>
             <a:r>
               <a:rPr lang="fr-FR" dirty="0"/>
-              <a:t>Batterie -&gt; Profil</a:t>
-            </a:r>
-          </a:p>
-        </p:txBody>
-      </p:sp>
-      <p:cxnSp>
-        <p:nvCxnSpPr>
-          <p:cNvPr id="45" name="Connecteur droit avec flèche 44">
-            <a:extLst>
-              <a:ext uri="{FF2B5EF4-FFF2-40B4-BE49-F238E27FC236}">
-                <a16:creationId xmlns:a16="http://schemas.microsoft.com/office/drawing/2014/main" id="{5A984E93-E2F7-5E0A-8CFF-EEC12F2D58C1}"/>
-              </a:ext>
-            </a:extLst>
-          </p:cNvPr>
-          <p:cNvCxnSpPr>
-            <a:cxnSpLocks/>
-            <a:stCxn id="44" idx="3"/>
-            <a:endCxn id="9" idx="1"/>
-          </p:cNvCxnSpPr>
-          <p:nvPr/>
-        </p:nvCxnSpPr>
-        <p:spPr>
-          <a:xfrm flipV="1">
-            <a:off x="5529936" y="4211508"/>
-            <a:ext cx="199060" cy="7973"/>
-          </a:xfrm>
-          <a:prstGeom prst="straightConnector1">
-            <a:avLst/>
-          </a:prstGeom>
-          <a:ln>
-            <a:tailEnd type="triangle"/>
-          </a:ln>
-        </p:spPr>
-        <p:style>
-          <a:lnRef idx="1">
-            <a:schemeClr val="dk1"/>
-          </a:lnRef>
-          <a:fillRef idx="0">
-            <a:schemeClr val="dk1"/>
-          </a:fillRef>
-          <a:effectRef idx="0">
-            <a:schemeClr val="dk1"/>
-          </a:effectRef>
-          <a:fontRef idx="minor">
-            <a:schemeClr val="tx1"/>
-          </a:fontRef>
-        </p:style>
-      </p:cxnSp>
+              <a:t>Batterie -&gt; Score</a:t>
+            </a:r>
+          </a:p>
+        </p:txBody>
+      </p:sp>
       <p:sp>
         <p:nvSpPr>
           <p:cNvPr id="48" name="ZoneTexte 47">
@@ -4435,7 +4348,7 @@
             <a:pPr algn="ctr"/>
             <a:r>
               <a:rPr lang="fr-FR" dirty="0"/>
-              <a:t>Batterie -&gt; Profil</a:t>
+              <a:t>Batterie -&gt; Score</a:t>
             </a:r>
           </a:p>
           <a:p>
@@ -4458,6 +4371,92 @@
     <p:extLst>
       <p:ext uri="{BB962C8B-B14F-4D97-AF65-F5344CB8AC3E}">
         <p14:creationId xmlns:p14="http://schemas.microsoft.com/office/powerpoint/2010/main" val="4093793674"/>
+      </p:ext>
+    </p:extLst>
+  </p:cSld>
+  <p:clrMapOvr>
+    <a:masterClrMapping/>
+  </p:clrMapOvr>
+</p:sld>
+</file>
+
+<file path=ppt/slides/slide2.xml><?xml version="1.0" encoding="utf-8"?>
+<p:sld xmlns:a="http://schemas.openxmlformats.org/drawingml/2006/main" xmlns:r="http://schemas.openxmlformats.org/officeDocument/2006/relationships" xmlns:p="http://schemas.openxmlformats.org/presentationml/2006/main">
+  <p:cSld>
+    <p:spTree>
+      <p:nvGrpSpPr>
+        <p:cNvPr id="1" name=""/>
+        <p:cNvGrpSpPr/>
+        <p:nvPr/>
+      </p:nvGrpSpPr>
+      <p:grpSpPr>
+        <a:xfrm>
+          <a:off x="0" y="0"/>
+          <a:ext cx="0" cy="0"/>
+          <a:chOff x="0" y="0"/>
+          <a:chExt cx="0" cy="0"/>
+        </a:xfrm>
+      </p:grpSpPr>
+      <p:sp>
+        <p:nvSpPr>
+          <p:cNvPr id="2" name="Titre 1">
+            <a:extLst>
+              <a:ext uri="{FF2B5EF4-FFF2-40B4-BE49-F238E27FC236}">
+                <a16:creationId xmlns:a16="http://schemas.microsoft.com/office/drawing/2014/main" id="{ACEDD176-3F73-E992-2E8F-04BCFA40F14E}"/>
+              </a:ext>
+            </a:extLst>
+          </p:cNvPr>
+          <p:cNvSpPr>
+            <a:spLocks noGrp="1"/>
+          </p:cNvSpPr>
+          <p:nvPr>
+            <p:ph type="title"/>
+          </p:nvPr>
+        </p:nvSpPr>
+        <p:spPr/>
+        <p:txBody>
+          <a:bodyPr/>
+          <a:lstStyle/>
+          <a:p>
+            <a:endParaRPr lang="fr-FR"/>
+          </a:p>
+        </p:txBody>
+      </p:sp>
+      <p:sp>
+        <p:nvSpPr>
+          <p:cNvPr id="3" name="Espace réservé du contenu 2">
+            <a:extLst>
+              <a:ext uri="{FF2B5EF4-FFF2-40B4-BE49-F238E27FC236}">
+                <a16:creationId xmlns:a16="http://schemas.microsoft.com/office/drawing/2014/main" id="{89524E8C-DC3F-CD48-FD9D-D544670BB8B9}"/>
+              </a:ext>
+            </a:extLst>
+          </p:cNvPr>
+          <p:cNvSpPr>
+            <a:spLocks noGrp="1"/>
+          </p:cNvSpPr>
+          <p:nvPr>
+            <p:ph idx="1"/>
+          </p:nvPr>
+        </p:nvSpPr>
+        <p:spPr/>
+        <p:txBody>
+          <a:bodyPr/>
+          <a:lstStyle/>
+          <a:p>
+            <a:pPr marL="0" indent="0">
+              <a:buNone/>
+            </a:pPr>
+            <a:r>
+              <a:rPr lang="fr-FR" dirty="0"/>
+              <a:t>Batterie : </a:t>
+            </a:r>
+          </a:p>
+        </p:txBody>
+      </p:sp>
+    </p:spTree>
+    <p:extLst>
+      <p:ext uri="{BB962C8B-B14F-4D97-AF65-F5344CB8AC3E}">
+        <p14:creationId xmlns:p14="http://schemas.microsoft.com/office/powerpoint/2010/main" val="2301532325"/>
       </p:ext>
     </p:extLst>
   </p:cSld>
